--- a/Apresentação (21.06.2022).pptx
+++ b/Apresentação (21.06.2022).pptx
@@ -7236,7 +7236,7 @@
         <p:spPr>
           <a:xfrm>
             <a:off x="3538450" y="4422710"/>
-            <a:ext cx="1182840" cy="595405"/>
+            <a:ext cx="1341460" cy="595405"/>
           </a:xfrm>
           <a:prstGeom prst="wedgeRoundRectCallout">
             <a:avLst/>
@@ -7269,7 +7269,18 @@
           <a:lstStyle/>
           <a:p>
             <a:pPr algn="ctr"/>
-            <a:endParaRPr lang="pt-BR"/>
+            <a:r>
+              <a:rPr lang="pt-BR" dirty="0" smtClean="0"/>
+              <a:t>Cargos</a:t>
+            </a:r>
+            <a:br>
+              <a:rPr lang="pt-BR" dirty="0" smtClean="0"/>
+            </a:br>
+            <a:r>
+              <a:rPr lang="pt-BR" dirty="0" smtClean="0"/>
+              <a:t>Superiores</a:t>
+            </a:r>
+            <a:endParaRPr lang="pt-BR" dirty="0"/>
           </a:p>
         </p:txBody>
       </p:sp>

--- a/Apresentação (21.06.2022).pptx
+++ b/Apresentação (21.06.2022).pptx
@@ -7539,6 +7539,96 @@
           </a:prstGeom>
         </p:spPr>
       </p:pic>
+      <p:sp>
+        <p:nvSpPr>
+          <p:cNvPr id="3" name="Texto Explicativo em Elipse 2"/>
+          <p:cNvSpPr/>
+          <p:nvPr/>
+        </p:nvSpPr>
+        <p:spPr>
+          <a:xfrm>
+            <a:off x="7273636" y="756458"/>
+            <a:ext cx="4272742" cy="1047404"/>
+          </a:xfrm>
+          <a:prstGeom prst="wedgeEllipseCallout">
+            <a:avLst/>
+          </a:prstGeom>
+          <a:noFill/>
+          <a:ln>
+            <a:solidFill>
+              <a:schemeClr val="tx1">
+                <a:lumMod val="50000"/>
+              </a:schemeClr>
+            </a:solidFill>
+          </a:ln>
+        </p:spPr>
+        <p:style>
+          <a:lnRef idx="2">
+            <a:schemeClr val="accent1">
+              <a:shade val="50000"/>
+            </a:schemeClr>
+          </a:lnRef>
+          <a:fillRef idx="1">
+            <a:schemeClr val="accent1"/>
+          </a:fillRef>
+          <a:effectRef idx="0">
+            <a:schemeClr val="accent1"/>
+          </a:effectRef>
+          <a:fontRef idx="minor">
+            <a:schemeClr val="lt1"/>
+          </a:fontRef>
+        </p:style>
+        <p:txBody>
+          <a:bodyPr rtlCol="0" anchor="ctr"/>
+          <a:lstStyle/>
+          <a:p>
+            <a:pPr algn="ctr"/>
+            <a:r>
+              <a:rPr lang="pt-BR" dirty="0" smtClean="0"/>
+              <a:t>Esses são os emblemas e cores de cada grupamento.</a:t>
+            </a:r>
+            <a:endParaRPr lang="pt-BR" dirty="0"/>
+          </a:p>
+        </p:txBody>
+      </p:sp>
+      <p:sp>
+        <p:nvSpPr>
+          <p:cNvPr id="4" name="CaixaDeTexto 3"/>
+          <p:cNvSpPr txBox="1"/>
+          <p:nvPr/>
+        </p:nvSpPr>
+        <p:spPr>
+          <a:xfrm>
+            <a:off x="1287087" y="5345084"/>
+            <a:ext cx="9617826" cy="646331"/>
+          </a:xfrm>
+          <a:prstGeom prst="rect">
+            <a:avLst/>
+          </a:prstGeom>
+          <a:noFill/>
+        </p:spPr>
+        <p:txBody>
+          <a:bodyPr wrap="square" rtlCol="0">
+            <a:spAutoFit/>
+          </a:bodyPr>
+          <a:lstStyle/>
+          <a:p>
+            <a:pPr algn="ctr"/>
+            <a:r>
+              <a:rPr lang="pt-BR" dirty="0" smtClean="0"/>
+              <a:t>Equipe (Amarelo) Coordenação (Azul) Comando Superior (Marrom) Alto Escalão (Vermelho)</a:t>
+            </a:r>
+            <a:br>
+              <a:rPr lang="pt-BR" dirty="0" smtClean="0"/>
+            </a:br>
+            <a:r>
+              <a:rPr lang="pt-BR" dirty="0" smtClean="0"/>
+              <a:t>No meio o emblema da empresa.</a:t>
+            </a:r>
+            <a:endParaRPr lang="pt-BR" dirty="0"/>
+          </a:p>
+        </p:txBody>
+      </p:sp>
     </p:spTree>
     <p:extLst>
       <p:ext uri="{BB962C8B-B14F-4D97-AF65-F5344CB8AC3E}">
